--- a/Apresentacao.pptx
+++ b/Apresentacao.pptx
@@ -5,10 +5,10 @@
     <p:sldMasterId id="2147483852" r:id="rId1"/>
   </p:sldMasterIdLst>
   <p:notesMasterIdLst>
-    <p:notesMasterId r:id="rId7"/>
+    <p:notesMasterId r:id="rId8"/>
   </p:notesMasterIdLst>
   <p:handoutMasterIdLst>
-    <p:handoutMasterId r:id="rId8"/>
+    <p:handoutMasterId r:id="rId9"/>
   </p:handoutMasterIdLst>
   <p:sldIdLst>
     <p:sldId id="256" r:id="rId2"/>
@@ -16,6 +16,7 @@
     <p:sldId id="258" r:id="rId4"/>
     <p:sldId id="259" r:id="rId5"/>
     <p:sldId id="260" r:id="rId6"/>
+    <p:sldId id="261" r:id="rId7"/>
   </p:sldIdLst>
   <p:sldSz cx="12192000" cy="6858000"/>
   <p:notesSz cx="6858000" cy="9144000"/>
@@ -7868,7 +7869,7 @@
               </a:rPr>
               <a:t>Realizado por:</a:t>
             </a:r>
-            <a:endParaRPr lang="pt-BR"/>
+            <a:endParaRPr lang="pt-BR" dirty="0"/>
           </a:p>
           <a:p>
             <a:pPr>
@@ -7897,7 +7898,7 @@
                   <a:schemeClr val="bg1"/>
                 </a:solidFill>
               </a:rPr>
-              <a:t>Caio</a:t>
+              <a:t>Caio troiano Collino</a:t>
             </a:r>
           </a:p>
           <a:p>
@@ -8203,7 +8204,7 @@
                 <a:latin typeface="Calibri"/>
                 <a:cs typeface="Calibri"/>
               </a:rPr>
-              <a:t>Compreender a crise socioeducacional, resultante da pandemia no país e seus reflexos nas instituições de ensino, sistematizar as ações realizadas por tais instituições em tempos atuais, quanto a sua </a:t>
+              <a:t>Analisar relação entre Educação e Tecnologias de Informação e Comunicação (TICs) no Brasil em tempos de pandemia, ocasionada pela doença Covid-19, destacando uma série de iniciativas relativas à </a:t>
             </a:r>
             <a:r>
               <a:rPr lang="pt-BR" dirty="0" err="1">
@@ -8217,7 +8218,7 @@
                 <a:latin typeface="Calibri"/>
                 <a:cs typeface="Calibri"/>
               </a:rPr>
-              <a:t> das tecnologias de informação e comunicação e descrever uma experiência real, envolvendo o uso de TICs, desenvolvida por um grupo de estudos e pesquisa de uma instituição de ensino superior localizada na Amazônia brasileira</a:t>
+              <a:t> destas ferramentas tecnológicas no campo educacional.</a:t>
             </a:r>
             <a:endParaRPr lang="pt-BR" dirty="0"/>
           </a:p>
@@ -8431,66 +8432,11 @@
           <a:lstStyle/>
           <a:p>
             <a:r>
-              <a:rPr lang="pt-BR" sz="2000" dirty="0">
+              <a:rPr lang="pt-BR" dirty="0">
                 <a:latin typeface="Calibri"/>
                 <a:cs typeface="Calibri"/>
               </a:rPr>
-              <a:t>A metodologia usada foi dividir a pesquisa e 3 blocos de discussão e análise:</a:t>
-            </a:r>
-          </a:p>
-          <a:p>
-            <a:r>
-              <a:rPr lang="pt-BR" sz="2000" dirty="0">
-                <a:latin typeface="Calibri"/>
-                <a:cs typeface="Calibri"/>
-              </a:rPr>
-              <a:t>Bloco 1: A crise da Covid-19 e seus efeitos no Brasil, discutindo a origem e expansão da doença, a atuação governamental e os </a:t>
-            </a:r>
-            <a:r>
-              <a:rPr lang="pt-BR" sz="2000" dirty="0" err="1">
-                <a:latin typeface="Calibri"/>
-                <a:cs typeface="Calibri"/>
-              </a:rPr>
-              <a:t>impatos</a:t>
-            </a:r>
-            <a:r>
-              <a:rPr lang="pt-BR" sz="2000" dirty="0">
-                <a:latin typeface="Calibri"/>
-                <a:cs typeface="Calibri"/>
-              </a:rPr>
-              <a:t> socioeducacionais consequentes da pandemia</a:t>
-            </a:r>
-          </a:p>
-          <a:p>
-            <a:r>
-              <a:rPr lang="pt-BR" sz="2000" dirty="0">
-                <a:latin typeface="Calibri"/>
-                <a:cs typeface="Calibri"/>
-              </a:rPr>
-              <a:t>Bloco 2: Tecnologias a serviço da educação, a internet se torna a sala de aula, problematizando a relação entre educação e TICs no contexto da pandemia, sistematizando ações administradas por instituições de ensino no Brasil</a:t>
-            </a:r>
-          </a:p>
-          <a:p>
-            <a:r>
-              <a:rPr lang="pt-BR" sz="2000" dirty="0">
-                <a:latin typeface="Calibri"/>
-                <a:cs typeface="Calibri"/>
-              </a:rPr>
-              <a:t>Bloco 3: </a:t>
-            </a:r>
-            <a:r>
-              <a:rPr lang="pt-BR" sz="2000" dirty="0" err="1">
-                <a:latin typeface="Calibri"/>
-                <a:cs typeface="Calibri"/>
-              </a:rPr>
-              <a:t>Analizando</a:t>
-            </a:r>
-            <a:r>
-              <a:rPr lang="pt-BR" sz="2000" dirty="0">
-                <a:latin typeface="Calibri"/>
-                <a:cs typeface="Calibri"/>
-              </a:rPr>
-              <a:t> a dinâmica utilizada pelo grupo de estudos e pesquisas "História, sociedade e educação do Brasil", vinculado a Universidade Federal do Oeste do Pará, trazendo uma experiência desenvolvida na região amazônica de readequação interventiva, com auxilio das tecnologias como possibilidade de continuidade dos trabalhos propostos, em tempos de pandemia.</a:t>
+              <a:t>Metodologia: As análises são fruto de pesquisas bibliográfica e documental, somadas as observações e experiências no uso das Tecnologias de Informação e Comunicação em tempos de pandemia no país, especificamente, em ações desenvolvidas por instituições de ensino superior. </a:t>
             </a:r>
           </a:p>
         </p:txBody>
@@ -8499,6 +8445,209 @@
     <p:extLst>
       <p:ext uri="{BB962C8B-B14F-4D97-AF65-F5344CB8AC3E}">
         <p14:creationId xmlns:p14="http://schemas.microsoft.com/office/powerpoint/2010/main" val="521625282"/>
+      </p:ext>
+    </p:extLst>
+  </p:cSld>
+  <p:clrMapOvr>
+    <a:masterClrMapping/>
+  </p:clrMapOvr>
+</p:sld>
+</file>
+
+<file path=ppt/slides/slide6.xml><?xml version="1.0" encoding="utf-8"?>
+<p:sld xmlns:a="http://schemas.openxmlformats.org/drawingml/2006/main" xmlns:r="http://schemas.openxmlformats.org/officeDocument/2006/relationships" xmlns:p="http://schemas.openxmlformats.org/presentationml/2006/main">
+  <p:cSld>
+    <p:spTree>
+      <p:nvGrpSpPr>
+        <p:cNvPr id="1" name=""/>
+        <p:cNvGrpSpPr/>
+        <p:nvPr/>
+      </p:nvGrpSpPr>
+      <p:grpSpPr>
+        <a:xfrm>
+          <a:off x="0" y="0"/>
+          <a:ext cx="0" cy="0"/>
+          <a:chOff x="0" y="0"/>
+          <a:chExt cx="0" cy="0"/>
+        </a:xfrm>
+      </p:grpSpPr>
+      <p:sp>
+        <p:nvSpPr>
+          <p:cNvPr id="2" name="Título 1">
+            <a:extLst>
+              <a:ext uri="{FF2B5EF4-FFF2-40B4-BE49-F238E27FC236}">
+                <a16:creationId xmlns:a16="http://schemas.microsoft.com/office/drawing/2014/main" id="{6770B686-9FC7-714F-1736-C2448E4B54F7}"/>
+              </a:ext>
+            </a:extLst>
+          </p:cNvPr>
+          <p:cNvSpPr>
+            <a:spLocks noGrp="1"/>
+          </p:cNvSpPr>
+          <p:nvPr>
+            <p:ph type="title"/>
+          </p:nvPr>
+        </p:nvSpPr>
+        <p:spPr/>
+        <p:txBody>
+          <a:bodyPr>
+            <a:normAutofit fontScale="90000"/>
+          </a:bodyPr>
+          <a:lstStyle/>
+          <a:p>
+            <a:r>
+              <a:rPr lang="pt-BR" dirty="0">
+                <a:latin typeface="Rockwell"/>
+              </a:rPr>
+              <a:t>             </a:t>
+            </a:r>
+            <a:r>
+              <a:rPr lang="pt-BR" sz="3100" b="0" i="0" dirty="0">
+                <a:solidFill>
+                  <a:schemeClr val="accent4">
+                    <a:lumMod val="75000"/>
+                  </a:schemeClr>
+                </a:solidFill>
+                <a:effectLst/>
+                <a:latin typeface="Roboto" panose="020B0604020202020204" pitchFamily="2" charset="0"/>
+              </a:rPr>
+              <a:t>Síntese do que foi discutido pelos autores no texto</a:t>
+            </a:r>
+            <a:br>
+              <a:rPr lang="pt-BR" b="0" i="0" dirty="0">
+                <a:solidFill>
+                  <a:srgbClr val="6D6E70"/>
+                </a:solidFill>
+                <a:effectLst/>
+                <a:latin typeface="Roboto" panose="020B0604020202020204" pitchFamily="2" charset="0"/>
+              </a:rPr>
+            </a:br>
+            <a:endParaRPr lang="pt-BR" dirty="0">
+              <a:solidFill>
+                <a:srgbClr val="FF0000"/>
+              </a:solidFill>
+            </a:endParaRPr>
+          </a:p>
+        </p:txBody>
+      </p:sp>
+      <p:sp>
+        <p:nvSpPr>
+          <p:cNvPr id="6" name="Espaço Reservado para Conteúdo 5">
+            <a:extLst>
+              <a:ext uri="{FF2B5EF4-FFF2-40B4-BE49-F238E27FC236}">
+                <a16:creationId xmlns:a16="http://schemas.microsoft.com/office/drawing/2014/main" id="{BFFCA592-08D1-75D5-7D16-CC2BE809471D}"/>
+              </a:ext>
+            </a:extLst>
+          </p:cNvPr>
+          <p:cNvSpPr>
+            <a:spLocks noGrp="1"/>
+          </p:cNvSpPr>
+          <p:nvPr>
+            <p:ph idx="1"/>
+          </p:nvPr>
+        </p:nvSpPr>
+        <p:spPr/>
+        <p:txBody>
+          <a:bodyPr>
+            <a:normAutofit fontScale="25000" lnSpcReduction="20000"/>
+          </a:bodyPr>
+          <a:lstStyle/>
+          <a:p>
+            <a:pPr marL="0" indent="0">
+              <a:buNone/>
+            </a:pPr>
+            <a:r>
+              <a:rPr lang="pt-BR" sz="6400" dirty="0">
+                <a:latin typeface="Calibri" panose="020F0502020204030204" pitchFamily="34" charset="0"/>
+                <a:cs typeface="Calibri" panose="020F0502020204030204" pitchFamily="34" charset="0"/>
+              </a:rPr>
+              <a:t>Os autores Lucas Vasconcelos Soares e Maria Lília I. S. Colares, constroem a discussão do artigo intitulado “Educação e tecnologias em tempos de pandemia no Brasil”, em três partes: A primeira contextualiza sobre a crise da Covid-19 e seus impactos no país; em seguida evidenciam a relação e a necessidade da incorporação entre TICs e a educação, além de exibir os desafios a serem combatidos; por fim apresentam um exemplo prático da utilização das TICs no auxilio do exercício das atividades educacionais.</a:t>
+            </a:r>
+          </a:p>
+          <a:p>
+            <a:pPr marL="0" indent="0">
+              <a:buNone/>
+            </a:pPr>
+            <a:r>
+              <a:rPr lang="pt-BR" sz="6400" dirty="0">
+                <a:latin typeface="Calibri" panose="020F0502020204030204" pitchFamily="34" charset="0"/>
+                <a:cs typeface="Calibri" panose="020F0502020204030204" pitchFamily="34" charset="0"/>
+              </a:rPr>
+              <a:t>O artigo aborda a relação entre a educação e as Tecnologias de Informação e Comunicação (TICs), como elas contribuem para as instituições de ensino, desde a parte administrativa até a pedagógica, permitindo a interação aluno-professor independente da distância, como no ocorrido na pandemia da Covid-19, momento de isolamento social. Contudo, ainda há problemas envolvendo sua utilização, pois existe carência de capacitação dos sujeitos educacionais, para acompanhar as ferramentas tecnológicas usadas na criação e </a:t>
+            </a:r>
+            <a:r>
+              <a:rPr lang="pt-BR" sz="6400" dirty="0" err="1">
+                <a:latin typeface="Calibri" panose="020F0502020204030204" pitchFamily="34" charset="0"/>
+                <a:cs typeface="Calibri" panose="020F0502020204030204" pitchFamily="34" charset="0"/>
+              </a:rPr>
+              <a:t>dissiminação</a:t>
+            </a:r>
+            <a:r>
+              <a:rPr lang="pt-BR" sz="6400" dirty="0">
+                <a:latin typeface="Calibri" panose="020F0502020204030204" pitchFamily="34" charset="0"/>
+                <a:cs typeface="Calibri" panose="020F0502020204030204" pitchFamily="34" charset="0"/>
+              </a:rPr>
+              <a:t> de informação.</a:t>
+            </a:r>
+          </a:p>
+          <a:p>
+            <a:pPr marL="0" indent="0">
+              <a:buNone/>
+            </a:pPr>
+            <a:r>
+              <a:rPr lang="pt-BR" sz="6400" dirty="0">
+                <a:latin typeface="Calibri" panose="020F0502020204030204" pitchFamily="34" charset="0"/>
+                <a:cs typeface="Calibri" panose="020F0502020204030204" pitchFamily="34" charset="0"/>
+              </a:rPr>
+              <a:t>No contexto pandêmico, com a paralização das atividades presenciais das instituições de ensino </a:t>
+            </a:r>
+            <a:r>
+              <a:rPr lang="pt-BR" sz="6400" dirty="0" err="1">
+                <a:latin typeface="Calibri" panose="020F0502020204030204" pitchFamily="34" charset="0"/>
+                <a:cs typeface="Calibri" panose="020F0502020204030204" pitchFamily="34" charset="0"/>
+              </a:rPr>
+              <a:t>basico</a:t>
+            </a:r>
+            <a:r>
+              <a:rPr lang="pt-BR" sz="6400" dirty="0">
+                <a:latin typeface="Calibri" panose="020F0502020204030204" pitchFamily="34" charset="0"/>
+                <a:cs typeface="Calibri" panose="020F0502020204030204" pitchFamily="34" charset="0"/>
+              </a:rPr>
+              <a:t> e superior, houve o crescimento da demanda por ferramentas que propiciem o acontecimento das práticas educacionais remotamente, ressaltando assim a importância das TICs no auxilio à educação, haja vista que essa foi a única maneira para a continuação dos serviços educacionais.</a:t>
+            </a:r>
+          </a:p>
+          <a:p>
+            <a:pPr marL="0" indent="0">
+              <a:buNone/>
+            </a:pPr>
+            <a:r>
+              <a:rPr lang="pt-BR" sz="6400" dirty="0">
+                <a:latin typeface="Calibri" panose="020F0502020204030204" pitchFamily="34" charset="0"/>
+                <a:cs typeface="Calibri" panose="020F0502020204030204" pitchFamily="34" charset="0"/>
+              </a:rPr>
+              <a:t>As TICs já eram usadas anteriormente, porém, o isolamento social permitiu que elas atingissem local de destaque na educação. Suscitando na integração entre tecnologia e escola, que por sua vez possibilita o encurtamento das barreiras geográficas da comunicação e a mudança no modelo de produção e divulgação do conhecimento.</a:t>
+            </a:r>
+          </a:p>
+          <a:p>
+            <a:pPr marL="0" indent="0">
+              <a:buNone/>
+            </a:pPr>
+            <a:r>
+              <a:rPr lang="pt-BR" sz="6400" dirty="0">
+                <a:latin typeface="Calibri" panose="020F0502020204030204" pitchFamily="34" charset="0"/>
+                <a:cs typeface="Calibri" panose="020F0502020204030204" pitchFamily="34" charset="0"/>
+              </a:rPr>
+              <a:t>Portanto, segundo os autores </a:t>
+            </a:r>
+          </a:p>
+          <a:p>
+            <a:endParaRPr lang="pt-BR" dirty="0"/>
+          </a:p>
+        </p:txBody>
+      </p:sp>
+    </p:spTree>
+    <p:extLst>
+      <p:ext uri="{BB962C8B-B14F-4D97-AF65-F5344CB8AC3E}">
+        <p14:creationId xmlns:p14="http://schemas.microsoft.com/office/powerpoint/2010/main" val="3073369015"/>
       </p:ext>
     </p:extLst>
   </p:cSld>

--- a/Apresentacao.pptx
+++ b/Apresentacao.pptx
@@ -8548,7 +8548,7 @@
         <p:spPr/>
         <p:txBody>
           <a:bodyPr>
-            <a:normAutofit fontScale="25000" lnSpcReduction="20000"/>
+            <a:noAutofit/>
           </a:bodyPr>
           <a:lstStyle/>
           <a:p>
@@ -8556,7 +8556,7 @@
               <a:buNone/>
             </a:pPr>
             <a:r>
-              <a:rPr lang="pt-BR" sz="6400" dirty="0">
+              <a:rPr lang="pt-BR" sz="1400" dirty="0">
                 <a:latin typeface="Calibri" panose="020F0502020204030204" pitchFamily="34" charset="0"/>
                 <a:cs typeface="Calibri" panose="020F0502020204030204" pitchFamily="34" charset="0"/>
               </a:rPr>
@@ -8568,21 +8568,21 @@
               <a:buNone/>
             </a:pPr>
             <a:r>
-              <a:rPr lang="pt-BR" sz="6400" dirty="0">
+              <a:rPr lang="pt-BR" sz="1400" dirty="0">
                 <a:latin typeface="Calibri" panose="020F0502020204030204" pitchFamily="34" charset="0"/>
                 <a:cs typeface="Calibri" panose="020F0502020204030204" pitchFamily="34" charset="0"/>
               </a:rPr>
-              <a:t>O artigo aborda a relação entre a educação e as Tecnologias de Informação e Comunicação (TICs), como elas contribuem para as instituições de ensino, desde a parte administrativa até a pedagógica, permitindo a interação aluno-professor independente da distância, como no ocorrido na pandemia da Covid-19, momento de isolamento social. Contudo, ainda há problemas envolvendo sua utilização, pois existe carência de capacitação dos sujeitos educacionais, para acompanhar as ferramentas tecnológicas usadas na criação e </a:t>
-            </a:r>
-            <a:r>
-              <a:rPr lang="pt-BR" sz="6400" dirty="0" err="1">
+              <a:t>	O artigo aborda a relação entre a educação e as Tecnologias de Informação e Comunicação (TICs), como elas contribuem para as instituições de ensino, desde a parte administrativa até a pedagógica, permitindo a interação aluno-professor independente da distância, como no ocorrido na pandemia da Covid-19, momento de isolamento social. Contudo, ainda há problemas envolvendo sua utilização, pois existe carência de capacitação dos sujeitos educacionais, para acompanhar as ferramentas tecnológicas usadas na criação e </a:t>
+            </a:r>
+            <a:r>
+              <a:rPr lang="pt-BR" sz="1400" dirty="0" err="1">
                 <a:latin typeface="Calibri" panose="020F0502020204030204" pitchFamily="34" charset="0"/>
                 <a:cs typeface="Calibri" panose="020F0502020204030204" pitchFamily="34" charset="0"/>
               </a:rPr>
               <a:t>dissiminação</a:t>
             </a:r>
             <a:r>
-              <a:rPr lang="pt-BR" sz="6400" dirty="0">
+              <a:rPr lang="pt-BR" sz="1400" dirty="0">
                 <a:latin typeface="Calibri" panose="020F0502020204030204" pitchFamily="34" charset="0"/>
                 <a:cs typeface="Calibri" panose="020F0502020204030204" pitchFamily="34" charset="0"/>
               </a:rPr>
@@ -8594,25 +8594,25 @@
               <a:buNone/>
             </a:pPr>
             <a:r>
-              <a:rPr lang="pt-BR" sz="6400" dirty="0">
+              <a:rPr lang="pt-BR" sz="1400" dirty="0">
                 <a:latin typeface="Calibri" panose="020F0502020204030204" pitchFamily="34" charset="0"/>
                 <a:cs typeface="Calibri" panose="020F0502020204030204" pitchFamily="34" charset="0"/>
               </a:rPr>
-              <a:t>No contexto pandêmico, com a paralização das atividades presenciais das instituições de ensino </a:t>
-            </a:r>
-            <a:r>
-              <a:rPr lang="pt-BR" sz="6400" dirty="0" err="1">
+              <a:t>	No contexto pandêmico, com a paralização das atividades presenciais das instituições de ensino </a:t>
+            </a:r>
+            <a:r>
+              <a:rPr lang="pt-BR" sz="1400" dirty="0" err="1">
                 <a:latin typeface="Calibri" panose="020F0502020204030204" pitchFamily="34" charset="0"/>
                 <a:cs typeface="Calibri" panose="020F0502020204030204" pitchFamily="34" charset="0"/>
               </a:rPr>
               <a:t>basico</a:t>
             </a:r>
             <a:r>
-              <a:rPr lang="pt-BR" sz="6400" dirty="0">
+              <a:rPr lang="pt-BR" sz="1400" dirty="0">
                 <a:latin typeface="Calibri" panose="020F0502020204030204" pitchFamily="34" charset="0"/>
                 <a:cs typeface="Calibri" panose="020F0502020204030204" pitchFamily="34" charset="0"/>
               </a:rPr>
-              <a:t> e superior, houve o crescimento da demanda por ferramentas que propiciem o acontecimento das práticas educacionais remotamente, ressaltando assim a importância das TICs no auxilio à educação, haja vista que essa foi a única maneira para a continuação dos serviços educacionais.</a:t>
+              <a:t> e superior, houve o crescimento da demanda por ferramentas que propiciem o acontecimento das práticas educacionais remotamente, ressaltando assim a importância das TICs no auxilio à educação, haja vista que esta foi uma ação assertiva para a continuação dos serviços educacionais.</a:t>
             </a:r>
           </a:p>
           <a:p>
@@ -8620,11 +8620,11 @@
               <a:buNone/>
             </a:pPr>
             <a:r>
-              <a:rPr lang="pt-BR" sz="6400" dirty="0">
+              <a:rPr lang="pt-BR" sz="1400" dirty="0">
                 <a:latin typeface="Calibri" panose="020F0502020204030204" pitchFamily="34" charset="0"/>
                 <a:cs typeface="Calibri" panose="020F0502020204030204" pitchFamily="34" charset="0"/>
               </a:rPr>
-              <a:t>As TICs já eram usadas anteriormente, porém, o isolamento social permitiu que elas atingissem local de destaque na educação. Suscitando na integração entre tecnologia e escola, que por sua vez possibilita o encurtamento das barreiras geográficas da comunicação e a mudança no modelo de produção e divulgação do conhecimento.</a:t>
+              <a:t>	As TICs já eram usadas anteriormente, porém, o isolamento social permitiu que elas atingissem local de destaque na educação. Suscitando na integração entre tecnologia e escola, que por sua vez possibilita o encurtamento das barreiras geográficas da comunicação e a mudança no modelo de produção e divulgação do conhecimento.</a:t>
             </a:r>
           </a:p>
           <a:p>
@@ -8632,15 +8632,41 @@
               <a:buNone/>
             </a:pPr>
             <a:r>
-              <a:rPr lang="pt-BR" sz="6400" dirty="0">
+              <a:rPr lang="pt-BR" sz="1400" dirty="0">
                 <a:latin typeface="Calibri" panose="020F0502020204030204" pitchFamily="34" charset="0"/>
                 <a:cs typeface="Calibri" panose="020F0502020204030204" pitchFamily="34" charset="0"/>
               </a:rPr>
-              <a:t>Portanto, segundo os autores </a:t>
-            </a:r>
-          </a:p>
-          <a:p>
-            <a:endParaRPr lang="pt-BR" dirty="0"/>
+              <a:t>	Portanto, diante do </a:t>
+            </a:r>
+            <a:r>
+              <a:rPr lang="pt-BR" sz="1400" dirty="0" err="1">
+                <a:latin typeface="Calibri" panose="020F0502020204030204" pitchFamily="34" charset="0"/>
+                <a:cs typeface="Calibri" panose="020F0502020204030204" pitchFamily="34" charset="0"/>
+              </a:rPr>
+              <a:t>esposto</a:t>
+            </a:r>
+            <a:r>
+              <a:rPr lang="pt-BR" sz="1400" dirty="0">
+                <a:latin typeface="Calibri" panose="020F0502020204030204" pitchFamily="34" charset="0"/>
+                <a:cs typeface="Calibri" panose="020F0502020204030204" pitchFamily="34" charset="0"/>
+              </a:rPr>
+              <a:t>, não é </a:t>
+            </a:r>
+            <a:r>
+              <a:rPr lang="pt-BR" sz="1400" dirty="0" err="1">
+                <a:latin typeface="Calibri" panose="020F0502020204030204" pitchFamily="34" charset="0"/>
+                <a:cs typeface="Calibri" panose="020F0502020204030204" pitchFamily="34" charset="0"/>
+              </a:rPr>
+              <a:t>consebível</a:t>
+            </a:r>
+            <a:r>
+              <a:rPr lang="pt-BR" sz="1400" dirty="0">
+                <a:latin typeface="Calibri" panose="020F0502020204030204" pitchFamily="34" charset="0"/>
+                <a:cs typeface="Calibri" panose="020F0502020204030204" pitchFamily="34" charset="0"/>
+              </a:rPr>
+              <a:t> pensar em educação sem considerar a presença das TICs, já que as mesmas, permitem o aperfeiçoamento da prática do ensino, e segundo os autores “viabilizam o diálogo do campo educacional com a sociedade, relação que vem caminhando no sentido do fortalecimento social”.</a:t>
+            </a:r>
+            <a:endParaRPr lang="pt-BR" sz="1400" dirty="0"/>
           </a:p>
         </p:txBody>
       </p:sp>
